--- a/ppt 16-9/1604.不变的爱.pptx
+++ b/ppt 16-9/1604.不变的爱.pptx
@@ -129,7 +129,7 @@
           <p:cNvPr id="2" name="标题 1">
             <a:extLst>
               <a:ext uri="{FF2B5EF4-FFF2-40B4-BE49-F238E27FC236}">
-                <a16:creationId xmlns:a16="http://schemas.microsoft.com/office/drawing/2014/main" id="{CA21A2DB-B426-A17D-1CE9-E3DE1515FBFC}"/>
+                <a16:creationId xmlns:a16="http://schemas.microsoft.com/office/drawing/2014/main" id="{687F7199-4E96-07B1-1B1A-C5E2433AC843}"/>
               </a:ext>
             </a:extLst>
           </p:cNvPr>
@@ -166,7 +166,7 @@
           <p:cNvPr id="3" name="副标题 2">
             <a:extLst>
               <a:ext uri="{FF2B5EF4-FFF2-40B4-BE49-F238E27FC236}">
-                <a16:creationId xmlns:a16="http://schemas.microsoft.com/office/drawing/2014/main" id="{50832040-9E77-781E-1D35-A417829438B2}"/>
+                <a16:creationId xmlns:a16="http://schemas.microsoft.com/office/drawing/2014/main" id="{47A3E5F0-4342-F983-0A25-728970E4D3C2}"/>
               </a:ext>
             </a:extLst>
           </p:cNvPr>
@@ -236,7 +236,7 @@
           <p:cNvPr id="4" name="日期占位符 3">
             <a:extLst>
               <a:ext uri="{FF2B5EF4-FFF2-40B4-BE49-F238E27FC236}">
-                <a16:creationId xmlns:a16="http://schemas.microsoft.com/office/drawing/2014/main" id="{85510E9F-6D1B-5EC5-7F08-A60575EA472A}"/>
+                <a16:creationId xmlns:a16="http://schemas.microsoft.com/office/drawing/2014/main" id="{57BB79D9-F538-EA53-DE45-CFE39960E633}"/>
               </a:ext>
             </a:extLst>
           </p:cNvPr>
@@ -252,7 +252,7 @@
           <a:bodyPr/>
           <a:lstStyle/>
           <a:p>
-            <a:fld id="{2B03A1DC-EB47-4655-BC68-0F37F3DEA2A7}" type="datetimeFigureOut">
+            <a:fld id="{7DE0BB5B-E339-4608-BCCD-83E5498A3A0A}" type="datetimeFigureOut">
               <a:rPr lang="zh-CN" altLang="en-US" smtClean="0"/>
               <a:t>2024/3/10</a:t>
             </a:fld>
@@ -265,7 +265,7 @@
           <p:cNvPr id="5" name="页脚占位符 4">
             <a:extLst>
               <a:ext uri="{FF2B5EF4-FFF2-40B4-BE49-F238E27FC236}">
-                <a16:creationId xmlns:a16="http://schemas.microsoft.com/office/drawing/2014/main" id="{2161A6FE-22D7-3BEA-4438-E8DAAA28059B}"/>
+                <a16:creationId xmlns:a16="http://schemas.microsoft.com/office/drawing/2014/main" id="{A3243BFD-7313-04CB-0595-B927A058D2B2}"/>
               </a:ext>
             </a:extLst>
           </p:cNvPr>
@@ -290,7 +290,7 @@
           <p:cNvPr id="6" name="灯片编号占位符 5">
             <a:extLst>
               <a:ext uri="{FF2B5EF4-FFF2-40B4-BE49-F238E27FC236}">
-                <a16:creationId xmlns:a16="http://schemas.microsoft.com/office/drawing/2014/main" id="{3D1002CD-D7A8-46DE-F7D6-EDC594686970}"/>
+                <a16:creationId xmlns:a16="http://schemas.microsoft.com/office/drawing/2014/main" id="{D1E9F4AB-A2C0-9D64-3537-6143A085E9E9}"/>
               </a:ext>
             </a:extLst>
           </p:cNvPr>
@@ -306,7 +306,7 @@
           <a:bodyPr/>
           <a:lstStyle/>
           <a:p>
-            <a:fld id="{636CAE51-8C21-4A9D-900A-BCBA6F9F9AF2}" type="slidenum">
+            <a:fld id="{187A1BE0-6326-4BD3-B459-6E3C271D5253}" type="slidenum">
               <a:rPr lang="zh-CN" altLang="en-US" smtClean="0"/>
               <a:t>‹#›</a:t>
             </a:fld>
@@ -317,7 +317,7 @@
     </p:spTree>
     <p:extLst>
       <p:ext uri="{BB962C8B-B14F-4D97-AF65-F5344CB8AC3E}">
-        <p14:creationId xmlns:p14="http://schemas.microsoft.com/office/powerpoint/2010/main" val="1345175397"/>
+        <p14:creationId xmlns:p14="http://schemas.microsoft.com/office/powerpoint/2010/main" val="943013906"/>
       </p:ext>
     </p:extLst>
   </p:cSld>
@@ -349,7 +349,7 @@
           <p:cNvPr id="2" name="标题 1">
             <a:extLst>
               <a:ext uri="{FF2B5EF4-FFF2-40B4-BE49-F238E27FC236}">
-                <a16:creationId xmlns:a16="http://schemas.microsoft.com/office/drawing/2014/main" id="{14F201DD-F655-8E71-2227-B5CEAD8D6DD8}"/>
+                <a16:creationId xmlns:a16="http://schemas.microsoft.com/office/drawing/2014/main" id="{C6853D1D-0E92-C684-86FB-F5C6B827D167}"/>
               </a:ext>
             </a:extLst>
           </p:cNvPr>
@@ -377,7 +377,7 @@
           <p:cNvPr id="3" name="竖排文字占位符 2">
             <a:extLst>
               <a:ext uri="{FF2B5EF4-FFF2-40B4-BE49-F238E27FC236}">
-                <a16:creationId xmlns:a16="http://schemas.microsoft.com/office/drawing/2014/main" id="{4F21759D-B22B-9928-D6C0-590698E9AD27}"/>
+                <a16:creationId xmlns:a16="http://schemas.microsoft.com/office/drawing/2014/main" id="{BBD69D37-08C2-C6F8-7E17-8979D61557DD}"/>
               </a:ext>
             </a:extLst>
           </p:cNvPr>
@@ -434,7 +434,7 @@
           <p:cNvPr id="4" name="日期占位符 3">
             <a:extLst>
               <a:ext uri="{FF2B5EF4-FFF2-40B4-BE49-F238E27FC236}">
-                <a16:creationId xmlns:a16="http://schemas.microsoft.com/office/drawing/2014/main" id="{83E90650-02CA-4FEA-5507-C3BAC708A2AE}"/>
+                <a16:creationId xmlns:a16="http://schemas.microsoft.com/office/drawing/2014/main" id="{D657F1A2-CF87-6614-3A34-4A7EAC578F85}"/>
               </a:ext>
             </a:extLst>
           </p:cNvPr>
@@ -450,7 +450,7 @@
           <a:bodyPr/>
           <a:lstStyle/>
           <a:p>
-            <a:fld id="{2B03A1DC-EB47-4655-BC68-0F37F3DEA2A7}" type="datetimeFigureOut">
+            <a:fld id="{7DE0BB5B-E339-4608-BCCD-83E5498A3A0A}" type="datetimeFigureOut">
               <a:rPr lang="zh-CN" altLang="en-US" smtClean="0"/>
               <a:t>2024/3/10</a:t>
             </a:fld>
@@ -463,7 +463,7 @@
           <p:cNvPr id="5" name="页脚占位符 4">
             <a:extLst>
               <a:ext uri="{FF2B5EF4-FFF2-40B4-BE49-F238E27FC236}">
-                <a16:creationId xmlns:a16="http://schemas.microsoft.com/office/drawing/2014/main" id="{40CD1FAD-59CF-7E97-677A-36BFB86A0E75}"/>
+                <a16:creationId xmlns:a16="http://schemas.microsoft.com/office/drawing/2014/main" id="{2A44D7AE-4301-6F07-AA80-A6740FF125D7}"/>
               </a:ext>
             </a:extLst>
           </p:cNvPr>
@@ -488,7 +488,7 @@
           <p:cNvPr id="6" name="灯片编号占位符 5">
             <a:extLst>
               <a:ext uri="{FF2B5EF4-FFF2-40B4-BE49-F238E27FC236}">
-                <a16:creationId xmlns:a16="http://schemas.microsoft.com/office/drawing/2014/main" id="{FA67441E-4908-6F3F-331D-21A606B44D3E}"/>
+                <a16:creationId xmlns:a16="http://schemas.microsoft.com/office/drawing/2014/main" id="{826E62B4-212F-496A-6CBB-DF2AC8C18963}"/>
               </a:ext>
             </a:extLst>
           </p:cNvPr>
@@ -504,7 +504,7 @@
           <a:bodyPr/>
           <a:lstStyle/>
           <a:p>
-            <a:fld id="{636CAE51-8C21-4A9D-900A-BCBA6F9F9AF2}" type="slidenum">
+            <a:fld id="{187A1BE0-6326-4BD3-B459-6E3C271D5253}" type="slidenum">
               <a:rPr lang="zh-CN" altLang="en-US" smtClean="0"/>
               <a:t>‹#›</a:t>
             </a:fld>
@@ -515,7 +515,7 @@
     </p:spTree>
     <p:extLst>
       <p:ext uri="{BB962C8B-B14F-4D97-AF65-F5344CB8AC3E}">
-        <p14:creationId xmlns:p14="http://schemas.microsoft.com/office/powerpoint/2010/main" val="2052558011"/>
+        <p14:creationId xmlns:p14="http://schemas.microsoft.com/office/powerpoint/2010/main" val="4101773593"/>
       </p:ext>
     </p:extLst>
   </p:cSld>
@@ -547,7 +547,7 @@
           <p:cNvPr id="2" name="竖排标题 1">
             <a:extLst>
               <a:ext uri="{FF2B5EF4-FFF2-40B4-BE49-F238E27FC236}">
-                <a16:creationId xmlns:a16="http://schemas.microsoft.com/office/drawing/2014/main" id="{A32B3D7E-78B7-DBA9-2668-E137D837D5B2}"/>
+                <a16:creationId xmlns:a16="http://schemas.microsoft.com/office/drawing/2014/main" id="{7758BB9A-971A-B64C-68F2-483BC3F5A9BD}"/>
               </a:ext>
             </a:extLst>
           </p:cNvPr>
@@ -580,7 +580,7 @@
           <p:cNvPr id="3" name="竖排文字占位符 2">
             <a:extLst>
               <a:ext uri="{FF2B5EF4-FFF2-40B4-BE49-F238E27FC236}">
-                <a16:creationId xmlns:a16="http://schemas.microsoft.com/office/drawing/2014/main" id="{046B231D-EB4C-1DFB-9B80-682DB209F452}"/>
+                <a16:creationId xmlns:a16="http://schemas.microsoft.com/office/drawing/2014/main" id="{B7ACCD12-6F38-3601-1225-5DC5BF74247F}"/>
               </a:ext>
             </a:extLst>
           </p:cNvPr>
@@ -642,7 +642,7 @@
           <p:cNvPr id="4" name="日期占位符 3">
             <a:extLst>
               <a:ext uri="{FF2B5EF4-FFF2-40B4-BE49-F238E27FC236}">
-                <a16:creationId xmlns:a16="http://schemas.microsoft.com/office/drawing/2014/main" id="{8489F1C0-AFC3-66A0-2DA6-1963F64FCDD8}"/>
+                <a16:creationId xmlns:a16="http://schemas.microsoft.com/office/drawing/2014/main" id="{358BE322-34EC-7719-5044-BCC08D0312F2}"/>
               </a:ext>
             </a:extLst>
           </p:cNvPr>
@@ -658,7 +658,7 @@
           <a:bodyPr/>
           <a:lstStyle/>
           <a:p>
-            <a:fld id="{2B03A1DC-EB47-4655-BC68-0F37F3DEA2A7}" type="datetimeFigureOut">
+            <a:fld id="{7DE0BB5B-E339-4608-BCCD-83E5498A3A0A}" type="datetimeFigureOut">
               <a:rPr lang="zh-CN" altLang="en-US" smtClean="0"/>
               <a:t>2024/3/10</a:t>
             </a:fld>
@@ -671,7 +671,7 @@
           <p:cNvPr id="5" name="页脚占位符 4">
             <a:extLst>
               <a:ext uri="{FF2B5EF4-FFF2-40B4-BE49-F238E27FC236}">
-                <a16:creationId xmlns:a16="http://schemas.microsoft.com/office/drawing/2014/main" id="{359AF95C-4111-5960-4A9D-1D98015A6244}"/>
+                <a16:creationId xmlns:a16="http://schemas.microsoft.com/office/drawing/2014/main" id="{0827D3DA-6F73-51D8-EB36-702AC35CCB28}"/>
               </a:ext>
             </a:extLst>
           </p:cNvPr>
@@ -696,7 +696,7 @@
           <p:cNvPr id="6" name="灯片编号占位符 5">
             <a:extLst>
               <a:ext uri="{FF2B5EF4-FFF2-40B4-BE49-F238E27FC236}">
-                <a16:creationId xmlns:a16="http://schemas.microsoft.com/office/drawing/2014/main" id="{179692E3-39FA-A653-901F-B72A2D1167B0}"/>
+                <a16:creationId xmlns:a16="http://schemas.microsoft.com/office/drawing/2014/main" id="{58764798-6138-7A4F-AD9D-D740FD0AB717}"/>
               </a:ext>
             </a:extLst>
           </p:cNvPr>
@@ -712,7 +712,7 @@
           <a:bodyPr/>
           <a:lstStyle/>
           <a:p>
-            <a:fld id="{636CAE51-8C21-4A9D-900A-BCBA6F9F9AF2}" type="slidenum">
+            <a:fld id="{187A1BE0-6326-4BD3-B459-6E3C271D5253}" type="slidenum">
               <a:rPr lang="zh-CN" altLang="en-US" smtClean="0"/>
               <a:t>‹#›</a:t>
             </a:fld>
@@ -723,7 +723,7 @@
     </p:spTree>
     <p:extLst>
       <p:ext uri="{BB962C8B-B14F-4D97-AF65-F5344CB8AC3E}">
-        <p14:creationId xmlns:p14="http://schemas.microsoft.com/office/powerpoint/2010/main" val="1744652508"/>
+        <p14:creationId xmlns:p14="http://schemas.microsoft.com/office/powerpoint/2010/main" val="2398275695"/>
       </p:ext>
     </p:extLst>
   </p:cSld>
@@ -755,7 +755,7 @@
           <p:cNvPr id="2" name="标题 1">
             <a:extLst>
               <a:ext uri="{FF2B5EF4-FFF2-40B4-BE49-F238E27FC236}">
-                <a16:creationId xmlns:a16="http://schemas.microsoft.com/office/drawing/2014/main" id="{35C05D36-A908-F7DD-763B-0A63CBE7EDBC}"/>
+                <a16:creationId xmlns:a16="http://schemas.microsoft.com/office/drawing/2014/main" id="{E9A8846B-EFD3-EF05-9736-CFC045D36619}"/>
               </a:ext>
             </a:extLst>
           </p:cNvPr>
@@ -783,7 +783,7 @@
           <p:cNvPr id="3" name="内容占位符 2">
             <a:extLst>
               <a:ext uri="{FF2B5EF4-FFF2-40B4-BE49-F238E27FC236}">
-                <a16:creationId xmlns:a16="http://schemas.microsoft.com/office/drawing/2014/main" id="{8B3C89EA-8374-B19E-F32D-29331B44581F}"/>
+                <a16:creationId xmlns:a16="http://schemas.microsoft.com/office/drawing/2014/main" id="{C2CBA2D2-190D-46EA-4B32-E0F3F67A6BF2}"/>
               </a:ext>
             </a:extLst>
           </p:cNvPr>
@@ -840,7 +840,7 @@
           <p:cNvPr id="4" name="日期占位符 3">
             <a:extLst>
               <a:ext uri="{FF2B5EF4-FFF2-40B4-BE49-F238E27FC236}">
-                <a16:creationId xmlns:a16="http://schemas.microsoft.com/office/drawing/2014/main" id="{1E62EEDF-7AC3-799C-E5AD-3D5CF9D5EDA2}"/>
+                <a16:creationId xmlns:a16="http://schemas.microsoft.com/office/drawing/2014/main" id="{CB432910-F869-3870-AF47-089EAC3C1DCA}"/>
               </a:ext>
             </a:extLst>
           </p:cNvPr>
@@ -856,7 +856,7 @@
           <a:bodyPr/>
           <a:lstStyle/>
           <a:p>
-            <a:fld id="{2B03A1DC-EB47-4655-BC68-0F37F3DEA2A7}" type="datetimeFigureOut">
+            <a:fld id="{7DE0BB5B-E339-4608-BCCD-83E5498A3A0A}" type="datetimeFigureOut">
               <a:rPr lang="zh-CN" altLang="en-US" smtClean="0"/>
               <a:t>2024/3/10</a:t>
             </a:fld>
@@ -869,7 +869,7 @@
           <p:cNvPr id="5" name="页脚占位符 4">
             <a:extLst>
               <a:ext uri="{FF2B5EF4-FFF2-40B4-BE49-F238E27FC236}">
-                <a16:creationId xmlns:a16="http://schemas.microsoft.com/office/drawing/2014/main" id="{C5743EAD-AB31-3622-03BA-B8FE7E2EA287}"/>
+                <a16:creationId xmlns:a16="http://schemas.microsoft.com/office/drawing/2014/main" id="{55692FC6-65E6-3A0B-07D9-61A9DEB2AB0F}"/>
               </a:ext>
             </a:extLst>
           </p:cNvPr>
@@ -894,7 +894,7 @@
           <p:cNvPr id="6" name="灯片编号占位符 5">
             <a:extLst>
               <a:ext uri="{FF2B5EF4-FFF2-40B4-BE49-F238E27FC236}">
-                <a16:creationId xmlns:a16="http://schemas.microsoft.com/office/drawing/2014/main" id="{D78E7425-5CE1-3AA1-B62F-559D14A80F52}"/>
+                <a16:creationId xmlns:a16="http://schemas.microsoft.com/office/drawing/2014/main" id="{41579147-DDFF-2A74-93A8-16259B74A341}"/>
               </a:ext>
             </a:extLst>
           </p:cNvPr>
@@ -910,7 +910,7 @@
           <a:bodyPr/>
           <a:lstStyle/>
           <a:p>
-            <a:fld id="{636CAE51-8C21-4A9D-900A-BCBA6F9F9AF2}" type="slidenum">
+            <a:fld id="{187A1BE0-6326-4BD3-B459-6E3C271D5253}" type="slidenum">
               <a:rPr lang="zh-CN" altLang="en-US" smtClean="0"/>
               <a:t>‹#›</a:t>
             </a:fld>
@@ -921,7 +921,7 @@
     </p:spTree>
     <p:extLst>
       <p:ext uri="{BB962C8B-B14F-4D97-AF65-F5344CB8AC3E}">
-        <p14:creationId xmlns:p14="http://schemas.microsoft.com/office/powerpoint/2010/main" val="63493299"/>
+        <p14:creationId xmlns:p14="http://schemas.microsoft.com/office/powerpoint/2010/main" val="928214394"/>
       </p:ext>
     </p:extLst>
   </p:cSld>
@@ -953,7 +953,7 @@
           <p:cNvPr id="2" name="标题 1">
             <a:extLst>
               <a:ext uri="{FF2B5EF4-FFF2-40B4-BE49-F238E27FC236}">
-                <a16:creationId xmlns:a16="http://schemas.microsoft.com/office/drawing/2014/main" id="{D601244B-AB0E-1B52-8691-5072FA922516}"/>
+                <a16:creationId xmlns:a16="http://schemas.microsoft.com/office/drawing/2014/main" id="{7462FC39-7796-9106-7C2A-93C32A8FA09E}"/>
               </a:ext>
             </a:extLst>
           </p:cNvPr>
@@ -990,7 +990,7 @@
           <p:cNvPr id="3" name="文本占位符 2">
             <a:extLst>
               <a:ext uri="{FF2B5EF4-FFF2-40B4-BE49-F238E27FC236}">
-                <a16:creationId xmlns:a16="http://schemas.microsoft.com/office/drawing/2014/main" id="{28A2580B-2506-1C8A-9986-DBAAA0A2917E}"/>
+                <a16:creationId xmlns:a16="http://schemas.microsoft.com/office/drawing/2014/main" id="{F54784B1-1C6D-F0C3-9B9E-AEACBACA15A6}"/>
               </a:ext>
             </a:extLst>
           </p:cNvPr>
@@ -1115,7 +1115,7 @@
           <p:cNvPr id="4" name="日期占位符 3">
             <a:extLst>
               <a:ext uri="{FF2B5EF4-FFF2-40B4-BE49-F238E27FC236}">
-                <a16:creationId xmlns:a16="http://schemas.microsoft.com/office/drawing/2014/main" id="{44706398-2735-667D-A631-7D95387C9F21}"/>
+                <a16:creationId xmlns:a16="http://schemas.microsoft.com/office/drawing/2014/main" id="{30BC6E2F-4F92-568C-99DD-16F500A839A8}"/>
               </a:ext>
             </a:extLst>
           </p:cNvPr>
@@ -1131,7 +1131,7 @@
           <a:bodyPr/>
           <a:lstStyle/>
           <a:p>
-            <a:fld id="{2B03A1DC-EB47-4655-BC68-0F37F3DEA2A7}" type="datetimeFigureOut">
+            <a:fld id="{7DE0BB5B-E339-4608-BCCD-83E5498A3A0A}" type="datetimeFigureOut">
               <a:rPr lang="zh-CN" altLang="en-US" smtClean="0"/>
               <a:t>2024/3/10</a:t>
             </a:fld>
@@ -1144,7 +1144,7 @@
           <p:cNvPr id="5" name="页脚占位符 4">
             <a:extLst>
               <a:ext uri="{FF2B5EF4-FFF2-40B4-BE49-F238E27FC236}">
-                <a16:creationId xmlns:a16="http://schemas.microsoft.com/office/drawing/2014/main" id="{680192E2-B1D6-6C5F-A875-2320F9793896}"/>
+                <a16:creationId xmlns:a16="http://schemas.microsoft.com/office/drawing/2014/main" id="{41ACD693-BFA2-7A9B-F6F5-AF8AB3D5B65F}"/>
               </a:ext>
             </a:extLst>
           </p:cNvPr>
@@ -1169,7 +1169,7 @@
           <p:cNvPr id="6" name="灯片编号占位符 5">
             <a:extLst>
               <a:ext uri="{FF2B5EF4-FFF2-40B4-BE49-F238E27FC236}">
-                <a16:creationId xmlns:a16="http://schemas.microsoft.com/office/drawing/2014/main" id="{B136791F-533F-0C78-8DC2-13AF11D0325A}"/>
+                <a16:creationId xmlns:a16="http://schemas.microsoft.com/office/drawing/2014/main" id="{08E12D63-D849-ABBC-6E83-BE2F267D4057}"/>
               </a:ext>
             </a:extLst>
           </p:cNvPr>
@@ -1185,7 +1185,7 @@
           <a:bodyPr/>
           <a:lstStyle/>
           <a:p>
-            <a:fld id="{636CAE51-8C21-4A9D-900A-BCBA6F9F9AF2}" type="slidenum">
+            <a:fld id="{187A1BE0-6326-4BD3-B459-6E3C271D5253}" type="slidenum">
               <a:rPr lang="zh-CN" altLang="en-US" smtClean="0"/>
               <a:t>‹#›</a:t>
             </a:fld>
@@ -1196,7 +1196,7 @@
     </p:spTree>
     <p:extLst>
       <p:ext uri="{BB962C8B-B14F-4D97-AF65-F5344CB8AC3E}">
-        <p14:creationId xmlns:p14="http://schemas.microsoft.com/office/powerpoint/2010/main" val="4068967534"/>
+        <p14:creationId xmlns:p14="http://schemas.microsoft.com/office/powerpoint/2010/main" val="1261783819"/>
       </p:ext>
     </p:extLst>
   </p:cSld>
@@ -1228,7 +1228,7 @@
           <p:cNvPr id="2" name="标题 1">
             <a:extLst>
               <a:ext uri="{FF2B5EF4-FFF2-40B4-BE49-F238E27FC236}">
-                <a16:creationId xmlns:a16="http://schemas.microsoft.com/office/drawing/2014/main" id="{DF0F2A3C-67B5-09D9-37A5-325FFA4044EA}"/>
+                <a16:creationId xmlns:a16="http://schemas.microsoft.com/office/drawing/2014/main" id="{23F2E790-A220-840B-BDB0-F92D2E6A0B02}"/>
               </a:ext>
             </a:extLst>
           </p:cNvPr>
@@ -1256,7 +1256,7 @@
           <p:cNvPr id="3" name="内容占位符 2">
             <a:extLst>
               <a:ext uri="{FF2B5EF4-FFF2-40B4-BE49-F238E27FC236}">
-                <a16:creationId xmlns:a16="http://schemas.microsoft.com/office/drawing/2014/main" id="{B8BDD54E-9B46-711B-289C-1854536D0E61}"/>
+                <a16:creationId xmlns:a16="http://schemas.microsoft.com/office/drawing/2014/main" id="{23829299-E95C-B360-833D-C559AF5D4C65}"/>
               </a:ext>
             </a:extLst>
           </p:cNvPr>
@@ -1318,7 +1318,7 @@
           <p:cNvPr id="4" name="内容占位符 3">
             <a:extLst>
               <a:ext uri="{FF2B5EF4-FFF2-40B4-BE49-F238E27FC236}">
-                <a16:creationId xmlns:a16="http://schemas.microsoft.com/office/drawing/2014/main" id="{99D93C24-D685-61B1-0DAE-5D630A7E8EC6}"/>
+                <a16:creationId xmlns:a16="http://schemas.microsoft.com/office/drawing/2014/main" id="{603252DF-28B0-DF60-42B8-B65F696D3D9D}"/>
               </a:ext>
             </a:extLst>
           </p:cNvPr>
@@ -1380,7 +1380,7 @@
           <p:cNvPr id="5" name="日期占位符 4">
             <a:extLst>
               <a:ext uri="{FF2B5EF4-FFF2-40B4-BE49-F238E27FC236}">
-                <a16:creationId xmlns:a16="http://schemas.microsoft.com/office/drawing/2014/main" id="{C7445E93-AFCE-5F40-9AC0-11061964C8B6}"/>
+                <a16:creationId xmlns:a16="http://schemas.microsoft.com/office/drawing/2014/main" id="{DF28E9F7-318C-9A47-0484-99E003E364E6}"/>
               </a:ext>
             </a:extLst>
           </p:cNvPr>
@@ -1396,7 +1396,7 @@
           <a:bodyPr/>
           <a:lstStyle/>
           <a:p>
-            <a:fld id="{2B03A1DC-EB47-4655-BC68-0F37F3DEA2A7}" type="datetimeFigureOut">
+            <a:fld id="{7DE0BB5B-E339-4608-BCCD-83E5498A3A0A}" type="datetimeFigureOut">
               <a:rPr lang="zh-CN" altLang="en-US" smtClean="0"/>
               <a:t>2024/3/10</a:t>
             </a:fld>
@@ -1409,7 +1409,7 @@
           <p:cNvPr id="6" name="页脚占位符 5">
             <a:extLst>
               <a:ext uri="{FF2B5EF4-FFF2-40B4-BE49-F238E27FC236}">
-                <a16:creationId xmlns:a16="http://schemas.microsoft.com/office/drawing/2014/main" id="{9E5A30D4-8EA2-34E7-77E1-F1D52221AC5D}"/>
+                <a16:creationId xmlns:a16="http://schemas.microsoft.com/office/drawing/2014/main" id="{D04169E0-BDB4-B86A-3B27-97CAC3C978D9}"/>
               </a:ext>
             </a:extLst>
           </p:cNvPr>
@@ -1434,7 +1434,7 @@
           <p:cNvPr id="7" name="灯片编号占位符 6">
             <a:extLst>
               <a:ext uri="{FF2B5EF4-FFF2-40B4-BE49-F238E27FC236}">
-                <a16:creationId xmlns:a16="http://schemas.microsoft.com/office/drawing/2014/main" id="{FF0D36AA-9617-1DB3-478F-DC2772F43DF0}"/>
+                <a16:creationId xmlns:a16="http://schemas.microsoft.com/office/drawing/2014/main" id="{536D20EF-2C5B-BF38-0D80-A302B4BDFFCA}"/>
               </a:ext>
             </a:extLst>
           </p:cNvPr>
@@ -1450,7 +1450,7 @@
           <a:bodyPr/>
           <a:lstStyle/>
           <a:p>
-            <a:fld id="{636CAE51-8C21-4A9D-900A-BCBA6F9F9AF2}" type="slidenum">
+            <a:fld id="{187A1BE0-6326-4BD3-B459-6E3C271D5253}" type="slidenum">
               <a:rPr lang="zh-CN" altLang="en-US" smtClean="0"/>
               <a:t>‹#›</a:t>
             </a:fld>
@@ -1461,7 +1461,7 @@
     </p:spTree>
     <p:extLst>
       <p:ext uri="{BB962C8B-B14F-4D97-AF65-F5344CB8AC3E}">
-        <p14:creationId xmlns:p14="http://schemas.microsoft.com/office/powerpoint/2010/main" val="2089447523"/>
+        <p14:creationId xmlns:p14="http://schemas.microsoft.com/office/powerpoint/2010/main" val="993909553"/>
       </p:ext>
     </p:extLst>
   </p:cSld>
@@ -1493,7 +1493,7 @@
           <p:cNvPr id="2" name="标题 1">
             <a:extLst>
               <a:ext uri="{FF2B5EF4-FFF2-40B4-BE49-F238E27FC236}">
-                <a16:creationId xmlns:a16="http://schemas.microsoft.com/office/drawing/2014/main" id="{2A03B6B0-01D6-6C1A-F6B8-D7FD64AEAC52}"/>
+                <a16:creationId xmlns:a16="http://schemas.microsoft.com/office/drawing/2014/main" id="{06C44417-68B5-6FD9-E551-2D26367D4213}"/>
               </a:ext>
             </a:extLst>
           </p:cNvPr>
@@ -1526,7 +1526,7 @@
           <p:cNvPr id="3" name="文本占位符 2">
             <a:extLst>
               <a:ext uri="{FF2B5EF4-FFF2-40B4-BE49-F238E27FC236}">
-                <a16:creationId xmlns:a16="http://schemas.microsoft.com/office/drawing/2014/main" id="{9A883C56-1A33-DC64-E01B-5359EEF78C82}"/>
+                <a16:creationId xmlns:a16="http://schemas.microsoft.com/office/drawing/2014/main" id="{D4623D98-DDCA-1ACF-5591-0A6EA7D43B7D}"/>
               </a:ext>
             </a:extLst>
           </p:cNvPr>
@@ -1597,7 +1597,7 @@
           <p:cNvPr id="4" name="内容占位符 3">
             <a:extLst>
               <a:ext uri="{FF2B5EF4-FFF2-40B4-BE49-F238E27FC236}">
-                <a16:creationId xmlns:a16="http://schemas.microsoft.com/office/drawing/2014/main" id="{205EC899-C9AF-169D-363C-E2E00C0A334E}"/>
+                <a16:creationId xmlns:a16="http://schemas.microsoft.com/office/drawing/2014/main" id="{62ED8D89-7D6A-D178-8527-32FDC0F133F4}"/>
               </a:ext>
             </a:extLst>
           </p:cNvPr>
@@ -1659,7 +1659,7 @@
           <p:cNvPr id="5" name="文本占位符 4">
             <a:extLst>
               <a:ext uri="{FF2B5EF4-FFF2-40B4-BE49-F238E27FC236}">
-                <a16:creationId xmlns:a16="http://schemas.microsoft.com/office/drawing/2014/main" id="{8201CE48-FD7D-4550-7642-EA7EA5B8F69C}"/>
+                <a16:creationId xmlns:a16="http://schemas.microsoft.com/office/drawing/2014/main" id="{9C82A78E-080F-8137-C4D8-73C82F13DEAE}"/>
               </a:ext>
             </a:extLst>
           </p:cNvPr>
@@ -1730,7 +1730,7 @@
           <p:cNvPr id="6" name="内容占位符 5">
             <a:extLst>
               <a:ext uri="{FF2B5EF4-FFF2-40B4-BE49-F238E27FC236}">
-                <a16:creationId xmlns:a16="http://schemas.microsoft.com/office/drawing/2014/main" id="{AA793543-8BBC-633A-A494-6D7541338FF1}"/>
+                <a16:creationId xmlns:a16="http://schemas.microsoft.com/office/drawing/2014/main" id="{940DCFAC-A1AC-3076-4AF8-02B2DD6DE93E}"/>
               </a:ext>
             </a:extLst>
           </p:cNvPr>
@@ -1792,7 +1792,7 @@
           <p:cNvPr id="7" name="日期占位符 6">
             <a:extLst>
               <a:ext uri="{FF2B5EF4-FFF2-40B4-BE49-F238E27FC236}">
-                <a16:creationId xmlns:a16="http://schemas.microsoft.com/office/drawing/2014/main" id="{0D0E06C9-52B0-2E0B-F3AE-48D1AA607A2A}"/>
+                <a16:creationId xmlns:a16="http://schemas.microsoft.com/office/drawing/2014/main" id="{7869ACA8-F91C-9E3A-11F5-3845017C75C4}"/>
               </a:ext>
             </a:extLst>
           </p:cNvPr>
@@ -1808,7 +1808,7 @@
           <a:bodyPr/>
           <a:lstStyle/>
           <a:p>
-            <a:fld id="{2B03A1DC-EB47-4655-BC68-0F37F3DEA2A7}" type="datetimeFigureOut">
+            <a:fld id="{7DE0BB5B-E339-4608-BCCD-83E5498A3A0A}" type="datetimeFigureOut">
               <a:rPr lang="zh-CN" altLang="en-US" smtClean="0"/>
               <a:t>2024/3/10</a:t>
             </a:fld>
@@ -1821,7 +1821,7 @@
           <p:cNvPr id="8" name="页脚占位符 7">
             <a:extLst>
               <a:ext uri="{FF2B5EF4-FFF2-40B4-BE49-F238E27FC236}">
-                <a16:creationId xmlns:a16="http://schemas.microsoft.com/office/drawing/2014/main" id="{A08A974E-5FA3-C395-1EC8-16FAFBDD93FC}"/>
+                <a16:creationId xmlns:a16="http://schemas.microsoft.com/office/drawing/2014/main" id="{D6F8C2CA-D4D9-6E88-122A-436602FAD5BE}"/>
               </a:ext>
             </a:extLst>
           </p:cNvPr>
@@ -1846,7 +1846,7 @@
           <p:cNvPr id="9" name="灯片编号占位符 8">
             <a:extLst>
               <a:ext uri="{FF2B5EF4-FFF2-40B4-BE49-F238E27FC236}">
-                <a16:creationId xmlns:a16="http://schemas.microsoft.com/office/drawing/2014/main" id="{25904CE5-458C-05BB-17A3-3354BA1924C5}"/>
+                <a16:creationId xmlns:a16="http://schemas.microsoft.com/office/drawing/2014/main" id="{270CC318-DBCA-3686-3E74-5C1CAD8F3576}"/>
               </a:ext>
             </a:extLst>
           </p:cNvPr>
@@ -1862,7 +1862,7 @@
           <a:bodyPr/>
           <a:lstStyle/>
           <a:p>
-            <a:fld id="{636CAE51-8C21-4A9D-900A-BCBA6F9F9AF2}" type="slidenum">
+            <a:fld id="{187A1BE0-6326-4BD3-B459-6E3C271D5253}" type="slidenum">
               <a:rPr lang="zh-CN" altLang="en-US" smtClean="0"/>
               <a:t>‹#›</a:t>
             </a:fld>
@@ -1873,7 +1873,7 @@
     </p:spTree>
     <p:extLst>
       <p:ext uri="{BB962C8B-B14F-4D97-AF65-F5344CB8AC3E}">
-        <p14:creationId xmlns:p14="http://schemas.microsoft.com/office/powerpoint/2010/main" val="1685616481"/>
+        <p14:creationId xmlns:p14="http://schemas.microsoft.com/office/powerpoint/2010/main" val="3063085384"/>
       </p:ext>
     </p:extLst>
   </p:cSld>
@@ -1905,7 +1905,7 @@
           <p:cNvPr id="2" name="标题 1">
             <a:extLst>
               <a:ext uri="{FF2B5EF4-FFF2-40B4-BE49-F238E27FC236}">
-                <a16:creationId xmlns:a16="http://schemas.microsoft.com/office/drawing/2014/main" id="{CE7F0399-3EC0-EFB5-D330-3B2A8659A933}"/>
+                <a16:creationId xmlns:a16="http://schemas.microsoft.com/office/drawing/2014/main" id="{53CA6588-2817-DE96-C36A-9AE482DE4418}"/>
               </a:ext>
             </a:extLst>
           </p:cNvPr>
@@ -1933,7 +1933,7 @@
           <p:cNvPr id="3" name="日期占位符 2">
             <a:extLst>
               <a:ext uri="{FF2B5EF4-FFF2-40B4-BE49-F238E27FC236}">
-                <a16:creationId xmlns:a16="http://schemas.microsoft.com/office/drawing/2014/main" id="{2D1DD9FB-BD95-6660-9224-F4803A3D9F3B}"/>
+                <a16:creationId xmlns:a16="http://schemas.microsoft.com/office/drawing/2014/main" id="{49907671-6404-DB63-FBA9-96C3E413559F}"/>
               </a:ext>
             </a:extLst>
           </p:cNvPr>
@@ -1949,7 +1949,7 @@
           <a:bodyPr/>
           <a:lstStyle/>
           <a:p>
-            <a:fld id="{2B03A1DC-EB47-4655-BC68-0F37F3DEA2A7}" type="datetimeFigureOut">
+            <a:fld id="{7DE0BB5B-E339-4608-BCCD-83E5498A3A0A}" type="datetimeFigureOut">
               <a:rPr lang="zh-CN" altLang="en-US" smtClean="0"/>
               <a:t>2024/3/10</a:t>
             </a:fld>
@@ -1962,7 +1962,7 @@
           <p:cNvPr id="4" name="页脚占位符 3">
             <a:extLst>
               <a:ext uri="{FF2B5EF4-FFF2-40B4-BE49-F238E27FC236}">
-                <a16:creationId xmlns:a16="http://schemas.microsoft.com/office/drawing/2014/main" id="{89A70420-D0A1-6B99-2911-6F0AC7E81F98}"/>
+                <a16:creationId xmlns:a16="http://schemas.microsoft.com/office/drawing/2014/main" id="{0D462B76-8BCC-B7AE-ED23-44242A43A33A}"/>
               </a:ext>
             </a:extLst>
           </p:cNvPr>
@@ -1987,7 +1987,7 @@
           <p:cNvPr id="5" name="灯片编号占位符 4">
             <a:extLst>
               <a:ext uri="{FF2B5EF4-FFF2-40B4-BE49-F238E27FC236}">
-                <a16:creationId xmlns:a16="http://schemas.microsoft.com/office/drawing/2014/main" id="{79DE86BA-768E-8194-D985-70C40D9A08D2}"/>
+                <a16:creationId xmlns:a16="http://schemas.microsoft.com/office/drawing/2014/main" id="{F51DC862-4ECA-E624-7825-1F68686B6F98}"/>
               </a:ext>
             </a:extLst>
           </p:cNvPr>
@@ -2003,7 +2003,7 @@
           <a:bodyPr/>
           <a:lstStyle/>
           <a:p>
-            <a:fld id="{636CAE51-8C21-4A9D-900A-BCBA6F9F9AF2}" type="slidenum">
+            <a:fld id="{187A1BE0-6326-4BD3-B459-6E3C271D5253}" type="slidenum">
               <a:rPr lang="zh-CN" altLang="en-US" smtClean="0"/>
               <a:t>‹#›</a:t>
             </a:fld>
@@ -2014,7 +2014,7 @@
     </p:spTree>
     <p:extLst>
       <p:ext uri="{BB962C8B-B14F-4D97-AF65-F5344CB8AC3E}">
-        <p14:creationId xmlns:p14="http://schemas.microsoft.com/office/powerpoint/2010/main" val="277191491"/>
+        <p14:creationId xmlns:p14="http://schemas.microsoft.com/office/powerpoint/2010/main" val="2613745853"/>
       </p:ext>
     </p:extLst>
   </p:cSld>
@@ -2046,7 +2046,7 @@
           <p:cNvPr id="2" name="日期占位符 1">
             <a:extLst>
               <a:ext uri="{FF2B5EF4-FFF2-40B4-BE49-F238E27FC236}">
-                <a16:creationId xmlns:a16="http://schemas.microsoft.com/office/drawing/2014/main" id="{F2E4665D-8516-B476-5CCB-C95F0EA7E1FF}"/>
+                <a16:creationId xmlns:a16="http://schemas.microsoft.com/office/drawing/2014/main" id="{136C7617-88AD-9C0D-6735-6196907BEB9E}"/>
               </a:ext>
             </a:extLst>
           </p:cNvPr>
@@ -2062,7 +2062,7 @@
           <a:bodyPr/>
           <a:lstStyle/>
           <a:p>
-            <a:fld id="{2B03A1DC-EB47-4655-BC68-0F37F3DEA2A7}" type="datetimeFigureOut">
+            <a:fld id="{7DE0BB5B-E339-4608-BCCD-83E5498A3A0A}" type="datetimeFigureOut">
               <a:rPr lang="zh-CN" altLang="en-US" smtClean="0"/>
               <a:t>2024/3/10</a:t>
             </a:fld>
@@ -2075,7 +2075,7 @@
           <p:cNvPr id="3" name="页脚占位符 2">
             <a:extLst>
               <a:ext uri="{FF2B5EF4-FFF2-40B4-BE49-F238E27FC236}">
-                <a16:creationId xmlns:a16="http://schemas.microsoft.com/office/drawing/2014/main" id="{271E8100-82C3-9CB1-5016-4D858EAD0698}"/>
+                <a16:creationId xmlns:a16="http://schemas.microsoft.com/office/drawing/2014/main" id="{3D45A683-5BD8-799C-6363-8FD125E220B6}"/>
               </a:ext>
             </a:extLst>
           </p:cNvPr>
@@ -2100,7 +2100,7 @@
           <p:cNvPr id="4" name="灯片编号占位符 3">
             <a:extLst>
               <a:ext uri="{FF2B5EF4-FFF2-40B4-BE49-F238E27FC236}">
-                <a16:creationId xmlns:a16="http://schemas.microsoft.com/office/drawing/2014/main" id="{E0E1C0CD-08E0-C9D3-B1D3-03D2CDCFC123}"/>
+                <a16:creationId xmlns:a16="http://schemas.microsoft.com/office/drawing/2014/main" id="{6279DCDC-8099-3BB3-3E61-BF51FFB1FD60}"/>
               </a:ext>
             </a:extLst>
           </p:cNvPr>
@@ -2116,7 +2116,7 @@
           <a:bodyPr/>
           <a:lstStyle/>
           <a:p>
-            <a:fld id="{636CAE51-8C21-4A9D-900A-BCBA6F9F9AF2}" type="slidenum">
+            <a:fld id="{187A1BE0-6326-4BD3-B459-6E3C271D5253}" type="slidenum">
               <a:rPr lang="zh-CN" altLang="en-US" smtClean="0"/>
               <a:t>‹#›</a:t>
             </a:fld>
@@ -2127,7 +2127,7 @@
     </p:spTree>
     <p:extLst>
       <p:ext uri="{BB962C8B-B14F-4D97-AF65-F5344CB8AC3E}">
-        <p14:creationId xmlns:p14="http://schemas.microsoft.com/office/powerpoint/2010/main" val="3172015381"/>
+        <p14:creationId xmlns:p14="http://schemas.microsoft.com/office/powerpoint/2010/main" val="1776583153"/>
       </p:ext>
     </p:extLst>
   </p:cSld>
@@ -2159,7 +2159,7 @@
           <p:cNvPr id="2" name="标题 1">
             <a:extLst>
               <a:ext uri="{FF2B5EF4-FFF2-40B4-BE49-F238E27FC236}">
-                <a16:creationId xmlns:a16="http://schemas.microsoft.com/office/drawing/2014/main" id="{6BC7ADA5-8614-F9F5-4273-01D0A6F59A3F}"/>
+                <a16:creationId xmlns:a16="http://schemas.microsoft.com/office/drawing/2014/main" id="{C0CE38C9-D50C-FD21-B350-E8EB755DB5B6}"/>
               </a:ext>
             </a:extLst>
           </p:cNvPr>
@@ -2196,7 +2196,7 @@
           <p:cNvPr id="3" name="内容占位符 2">
             <a:extLst>
               <a:ext uri="{FF2B5EF4-FFF2-40B4-BE49-F238E27FC236}">
-                <a16:creationId xmlns:a16="http://schemas.microsoft.com/office/drawing/2014/main" id="{F564DE1F-7F3B-E70A-FEF3-199EA170E78E}"/>
+                <a16:creationId xmlns:a16="http://schemas.microsoft.com/office/drawing/2014/main" id="{08602E74-3F9D-1FE6-ABF8-0EFD5D734C61}"/>
               </a:ext>
             </a:extLst>
           </p:cNvPr>
@@ -2286,7 +2286,7 @@
           <p:cNvPr id="4" name="文本占位符 3">
             <a:extLst>
               <a:ext uri="{FF2B5EF4-FFF2-40B4-BE49-F238E27FC236}">
-                <a16:creationId xmlns:a16="http://schemas.microsoft.com/office/drawing/2014/main" id="{C0C75CBC-342A-E136-7274-19DAE92B1BD0}"/>
+                <a16:creationId xmlns:a16="http://schemas.microsoft.com/office/drawing/2014/main" id="{6C35956D-B35D-3C37-DE03-BC8D58527E56}"/>
               </a:ext>
             </a:extLst>
           </p:cNvPr>
@@ -2357,7 +2357,7 @@
           <p:cNvPr id="5" name="日期占位符 4">
             <a:extLst>
               <a:ext uri="{FF2B5EF4-FFF2-40B4-BE49-F238E27FC236}">
-                <a16:creationId xmlns:a16="http://schemas.microsoft.com/office/drawing/2014/main" id="{448450B2-6F72-572C-0EF8-1DD2D9D2C8D9}"/>
+                <a16:creationId xmlns:a16="http://schemas.microsoft.com/office/drawing/2014/main" id="{6C1AED59-B109-9D4C-47F2-9E4BBDF6E83E}"/>
               </a:ext>
             </a:extLst>
           </p:cNvPr>
@@ -2373,7 +2373,7 @@
           <a:bodyPr/>
           <a:lstStyle/>
           <a:p>
-            <a:fld id="{2B03A1DC-EB47-4655-BC68-0F37F3DEA2A7}" type="datetimeFigureOut">
+            <a:fld id="{7DE0BB5B-E339-4608-BCCD-83E5498A3A0A}" type="datetimeFigureOut">
               <a:rPr lang="zh-CN" altLang="en-US" smtClean="0"/>
               <a:t>2024/3/10</a:t>
             </a:fld>
@@ -2386,7 +2386,7 @@
           <p:cNvPr id="6" name="页脚占位符 5">
             <a:extLst>
               <a:ext uri="{FF2B5EF4-FFF2-40B4-BE49-F238E27FC236}">
-                <a16:creationId xmlns:a16="http://schemas.microsoft.com/office/drawing/2014/main" id="{48E86573-13DE-A99B-2160-3615453EB1A0}"/>
+                <a16:creationId xmlns:a16="http://schemas.microsoft.com/office/drawing/2014/main" id="{FF5AF84E-3BFF-538E-43D1-8EB12EC2EABF}"/>
               </a:ext>
             </a:extLst>
           </p:cNvPr>
@@ -2411,7 +2411,7 @@
           <p:cNvPr id="7" name="灯片编号占位符 6">
             <a:extLst>
               <a:ext uri="{FF2B5EF4-FFF2-40B4-BE49-F238E27FC236}">
-                <a16:creationId xmlns:a16="http://schemas.microsoft.com/office/drawing/2014/main" id="{C0BEA8F5-DEF6-C955-FBC8-7CFB072D5878}"/>
+                <a16:creationId xmlns:a16="http://schemas.microsoft.com/office/drawing/2014/main" id="{1D1418F1-AC42-7074-EE4F-C6FA27AEE5FA}"/>
               </a:ext>
             </a:extLst>
           </p:cNvPr>
@@ -2427,7 +2427,7 @@
           <a:bodyPr/>
           <a:lstStyle/>
           <a:p>
-            <a:fld id="{636CAE51-8C21-4A9D-900A-BCBA6F9F9AF2}" type="slidenum">
+            <a:fld id="{187A1BE0-6326-4BD3-B459-6E3C271D5253}" type="slidenum">
               <a:rPr lang="zh-CN" altLang="en-US" smtClean="0"/>
               <a:t>‹#›</a:t>
             </a:fld>
@@ -2438,7 +2438,7 @@
     </p:spTree>
     <p:extLst>
       <p:ext uri="{BB962C8B-B14F-4D97-AF65-F5344CB8AC3E}">
-        <p14:creationId xmlns:p14="http://schemas.microsoft.com/office/powerpoint/2010/main" val="3744574907"/>
+        <p14:creationId xmlns:p14="http://schemas.microsoft.com/office/powerpoint/2010/main" val="223948513"/>
       </p:ext>
     </p:extLst>
   </p:cSld>
@@ -2470,7 +2470,7 @@
           <p:cNvPr id="2" name="标题 1">
             <a:extLst>
               <a:ext uri="{FF2B5EF4-FFF2-40B4-BE49-F238E27FC236}">
-                <a16:creationId xmlns:a16="http://schemas.microsoft.com/office/drawing/2014/main" id="{14A5A95A-6C54-4339-F891-8C548E0D3996}"/>
+                <a16:creationId xmlns:a16="http://schemas.microsoft.com/office/drawing/2014/main" id="{3E64C042-BFD5-ED1B-4C4E-406448B1409F}"/>
               </a:ext>
             </a:extLst>
           </p:cNvPr>
@@ -2507,7 +2507,7 @@
           <p:cNvPr id="3" name="图片占位符 2">
             <a:extLst>
               <a:ext uri="{FF2B5EF4-FFF2-40B4-BE49-F238E27FC236}">
-                <a16:creationId xmlns:a16="http://schemas.microsoft.com/office/drawing/2014/main" id="{30C451FB-F41F-FFAE-BC53-C116D25F4889}"/>
+                <a16:creationId xmlns:a16="http://schemas.microsoft.com/office/drawing/2014/main" id="{23812906-A806-3E1E-D5E1-D63144D2037F}"/>
               </a:ext>
             </a:extLst>
           </p:cNvPr>
@@ -2574,7 +2574,7 @@
           <p:cNvPr id="4" name="文本占位符 3">
             <a:extLst>
               <a:ext uri="{FF2B5EF4-FFF2-40B4-BE49-F238E27FC236}">
-                <a16:creationId xmlns:a16="http://schemas.microsoft.com/office/drawing/2014/main" id="{10A8BB44-1E32-2CC3-0591-36958D9638E0}"/>
+                <a16:creationId xmlns:a16="http://schemas.microsoft.com/office/drawing/2014/main" id="{94906C69-057F-593C-8070-04AAEEB6DAD8}"/>
               </a:ext>
             </a:extLst>
           </p:cNvPr>
@@ -2645,7 +2645,7 @@
           <p:cNvPr id="5" name="日期占位符 4">
             <a:extLst>
               <a:ext uri="{FF2B5EF4-FFF2-40B4-BE49-F238E27FC236}">
-                <a16:creationId xmlns:a16="http://schemas.microsoft.com/office/drawing/2014/main" id="{2763823C-E706-2403-95CD-1B170C514F81}"/>
+                <a16:creationId xmlns:a16="http://schemas.microsoft.com/office/drawing/2014/main" id="{19525F70-1BCE-764F-2969-EA1593EAF720}"/>
               </a:ext>
             </a:extLst>
           </p:cNvPr>
@@ -2661,7 +2661,7 @@
           <a:bodyPr/>
           <a:lstStyle/>
           <a:p>
-            <a:fld id="{2B03A1DC-EB47-4655-BC68-0F37F3DEA2A7}" type="datetimeFigureOut">
+            <a:fld id="{7DE0BB5B-E339-4608-BCCD-83E5498A3A0A}" type="datetimeFigureOut">
               <a:rPr lang="zh-CN" altLang="en-US" smtClean="0"/>
               <a:t>2024/3/10</a:t>
             </a:fld>
@@ -2674,7 +2674,7 @@
           <p:cNvPr id="6" name="页脚占位符 5">
             <a:extLst>
               <a:ext uri="{FF2B5EF4-FFF2-40B4-BE49-F238E27FC236}">
-                <a16:creationId xmlns:a16="http://schemas.microsoft.com/office/drawing/2014/main" id="{58573C99-8C73-7956-7F54-B27FA48C862E}"/>
+                <a16:creationId xmlns:a16="http://schemas.microsoft.com/office/drawing/2014/main" id="{72C49EA9-B947-77E8-339A-39E0912DD21C}"/>
               </a:ext>
             </a:extLst>
           </p:cNvPr>
@@ -2699,7 +2699,7 @@
           <p:cNvPr id="7" name="灯片编号占位符 6">
             <a:extLst>
               <a:ext uri="{FF2B5EF4-FFF2-40B4-BE49-F238E27FC236}">
-                <a16:creationId xmlns:a16="http://schemas.microsoft.com/office/drawing/2014/main" id="{937F6741-F59B-0D51-514C-603E9394B4A4}"/>
+                <a16:creationId xmlns:a16="http://schemas.microsoft.com/office/drawing/2014/main" id="{B455298D-344B-5A53-DD8D-44D286DCADC0}"/>
               </a:ext>
             </a:extLst>
           </p:cNvPr>
@@ -2715,7 +2715,7 @@
           <a:bodyPr/>
           <a:lstStyle/>
           <a:p>
-            <a:fld id="{636CAE51-8C21-4A9D-900A-BCBA6F9F9AF2}" type="slidenum">
+            <a:fld id="{187A1BE0-6326-4BD3-B459-6E3C271D5253}" type="slidenum">
               <a:rPr lang="zh-CN" altLang="en-US" smtClean="0"/>
               <a:t>‹#›</a:t>
             </a:fld>
@@ -2726,7 +2726,7 @@
     </p:spTree>
     <p:extLst>
       <p:ext uri="{BB962C8B-B14F-4D97-AF65-F5344CB8AC3E}">
-        <p14:creationId xmlns:p14="http://schemas.microsoft.com/office/powerpoint/2010/main" val="1104573169"/>
+        <p14:creationId xmlns:p14="http://schemas.microsoft.com/office/powerpoint/2010/main" val="1719435621"/>
       </p:ext>
     </p:extLst>
   </p:cSld>
@@ -2763,7 +2763,7 @@
           <p:cNvPr id="2" name="标题占位符 1">
             <a:extLst>
               <a:ext uri="{FF2B5EF4-FFF2-40B4-BE49-F238E27FC236}">
-                <a16:creationId xmlns:a16="http://schemas.microsoft.com/office/drawing/2014/main" id="{AC6E4A57-2196-F4F5-8435-5E3EFD308953}"/>
+                <a16:creationId xmlns:a16="http://schemas.microsoft.com/office/drawing/2014/main" id="{AA6F99D7-B382-5217-97EA-239F38EFA063}"/>
               </a:ext>
             </a:extLst>
           </p:cNvPr>
@@ -2801,7 +2801,7 @@
           <p:cNvPr id="3" name="文本占位符 2">
             <a:extLst>
               <a:ext uri="{FF2B5EF4-FFF2-40B4-BE49-F238E27FC236}">
-                <a16:creationId xmlns:a16="http://schemas.microsoft.com/office/drawing/2014/main" id="{D238F4D8-1130-7BC2-2029-E7C89DD6154F}"/>
+                <a16:creationId xmlns:a16="http://schemas.microsoft.com/office/drawing/2014/main" id="{DACA607F-1F56-712A-B586-C49387A76737}"/>
               </a:ext>
             </a:extLst>
           </p:cNvPr>
@@ -2868,7 +2868,7 @@
           <p:cNvPr id="4" name="日期占位符 3">
             <a:extLst>
               <a:ext uri="{FF2B5EF4-FFF2-40B4-BE49-F238E27FC236}">
-                <a16:creationId xmlns:a16="http://schemas.microsoft.com/office/drawing/2014/main" id="{8884E2FF-6F4A-CACE-5CA8-9427F1C869F7}"/>
+                <a16:creationId xmlns:a16="http://schemas.microsoft.com/office/drawing/2014/main" id="{3EC34E11-B483-54C8-7248-3062C48304DF}"/>
               </a:ext>
             </a:extLst>
           </p:cNvPr>
@@ -2902,7 +2902,7 @@
             </a:lvl1pPr>
           </a:lstStyle>
           <a:p>
-            <a:fld id="{2B03A1DC-EB47-4655-BC68-0F37F3DEA2A7}" type="datetimeFigureOut">
+            <a:fld id="{7DE0BB5B-E339-4608-BCCD-83E5498A3A0A}" type="datetimeFigureOut">
               <a:rPr lang="zh-CN" altLang="en-US" smtClean="0"/>
               <a:t>2024/3/10</a:t>
             </a:fld>
@@ -2915,7 +2915,7 @@
           <p:cNvPr id="5" name="页脚占位符 4">
             <a:extLst>
               <a:ext uri="{FF2B5EF4-FFF2-40B4-BE49-F238E27FC236}">
-                <a16:creationId xmlns:a16="http://schemas.microsoft.com/office/drawing/2014/main" id="{4E84341D-F92A-0F4B-5A0B-20FCFCA2E519}"/>
+                <a16:creationId xmlns:a16="http://schemas.microsoft.com/office/drawing/2014/main" id="{BA7A92F1-9151-1432-7EA1-5F67EE137EED}"/>
               </a:ext>
             </a:extLst>
           </p:cNvPr>
@@ -2958,7 +2958,7 @@
           <p:cNvPr id="6" name="灯片编号占位符 5">
             <a:extLst>
               <a:ext uri="{FF2B5EF4-FFF2-40B4-BE49-F238E27FC236}">
-                <a16:creationId xmlns:a16="http://schemas.microsoft.com/office/drawing/2014/main" id="{3252D37D-B8C9-1760-F967-7ECD40D413A8}"/>
+                <a16:creationId xmlns:a16="http://schemas.microsoft.com/office/drawing/2014/main" id="{475BABAF-14F9-24AD-9D6F-BDCA884FFD3C}"/>
               </a:ext>
             </a:extLst>
           </p:cNvPr>
@@ -2992,7 +2992,7 @@
             </a:lvl1pPr>
           </a:lstStyle>
           <a:p>
-            <a:fld id="{636CAE51-8C21-4A9D-900A-BCBA6F9F9AF2}" type="slidenum">
+            <a:fld id="{187A1BE0-6326-4BD3-B459-6E3C271D5253}" type="slidenum">
               <a:rPr lang="zh-CN" altLang="en-US" smtClean="0"/>
               <a:t>‹#›</a:t>
             </a:fld>
@@ -3003,7 +3003,7 @@
     </p:spTree>
     <p:extLst>
       <p:ext uri="{BB962C8B-B14F-4D97-AF65-F5344CB8AC3E}">
-        <p14:creationId xmlns:p14="http://schemas.microsoft.com/office/powerpoint/2010/main" val="2752130214"/>
+        <p14:creationId xmlns:p14="http://schemas.microsoft.com/office/powerpoint/2010/main" val="2533493416"/>
       </p:ext>
     </p:extLst>
   </p:cSld>
